--- a/slides/XEM20_S1D7_random_forests.pptx
+++ b/slides/XEM20_S1D7_random_forests.pptx
@@ -10,6 +10,13 @@
     <p:sldId id="258" r:id="rId4"/>
     <p:sldId id="259" r:id="rId5"/>
     <p:sldId id="260" r:id="rId6"/>
+    <p:sldId id="261" r:id="rId7"/>
+    <p:sldId id="262" r:id="rId8"/>
+    <p:sldId id="263" r:id="rId9"/>
+    <p:sldId id="264" r:id="rId10"/>
+    <p:sldId id="266" r:id="rId11"/>
+    <p:sldId id="265" r:id="rId12"/>
+    <p:sldId id="267" r:id="rId13"/>
   </p:sldIdLst>
   <p:sldSz cx="12192000" cy="6858000"/>
   <p:notesSz cx="6858000" cy="9144000"/>
@@ -3404,6 +3411,622 @@
 </p:sld>
 </file>
 
+<file path=ppt/slides/slide10.xml><?xml version="1.0" encoding="utf-8"?>
+<p:sld xmlns:a="http://schemas.openxmlformats.org/drawingml/2006/main" xmlns:r="http://schemas.openxmlformats.org/officeDocument/2006/relationships" xmlns:p="http://schemas.openxmlformats.org/presentationml/2006/main">
+  <p:cSld>
+    <p:spTree>
+      <p:nvGrpSpPr>
+        <p:cNvPr id="1" name=""/>
+        <p:cNvGrpSpPr/>
+        <p:nvPr/>
+      </p:nvGrpSpPr>
+      <p:grpSpPr>
+        <a:xfrm>
+          <a:off x="0" y="0"/>
+          <a:ext cx="0" cy="0"/>
+          <a:chOff x="0" y="0"/>
+          <a:chExt cx="0" cy="0"/>
+        </a:xfrm>
+      </p:grpSpPr>
+      <p:sp>
+        <p:nvSpPr>
+          <p:cNvPr id="2" name="Rectangle 1">
+            <a:extLst>
+              <a:ext uri="{FF2B5EF4-FFF2-40B4-BE49-F238E27FC236}">
+                <a16:creationId xmlns:a16="http://schemas.microsoft.com/office/drawing/2014/main" id="{10CEE625-F67A-024F-9098-B682B9627E2C}"/>
+              </a:ext>
+            </a:extLst>
+          </p:cNvPr>
+          <p:cNvSpPr/>
+          <p:nvPr/>
+        </p:nvSpPr>
+        <p:spPr>
+          <a:xfrm>
+            <a:off x="3048000" y="2274838"/>
+            <a:ext cx="6096000" cy="2308324"/>
+          </a:xfrm>
+          <a:prstGeom prst="rect">
+            <a:avLst/>
+          </a:prstGeom>
+        </p:spPr>
+        <p:txBody>
+          <a:bodyPr>
+            <a:spAutoFit/>
+          </a:bodyPr>
+          <a:lstStyle/>
+          <a:p>
+            <a:pPr fontAlgn="base"/>
+            <a:r>
+              <a:rPr lang="en-US" b="1" i="0" cap="all">
+                <a:solidFill>
+                  <a:srgbClr val="222222"/>
+                </a:solidFill>
+                <a:effectLst/>
+                <a:latin typeface="Source Sans Pro" panose="020B0503030403020204" pitchFamily="34" charset="0"/>
+              </a:rPr>
+              <a:t>OUT OF BAG - OOB</a:t>
+            </a:r>
+          </a:p>
+          <a:p>
+            <a:pPr fontAlgn="base"/>
+            <a:r>
+              <a:rPr lang="en-US" b="0" i="0">
+                <a:solidFill>
+                  <a:srgbClr val="222222"/>
+                </a:solidFill>
+                <a:effectLst/>
+                <a:latin typeface="Source Sans Pro" panose="020B0503030403020204" pitchFamily="34" charset="0"/>
+              </a:rPr>
+              <a:t>When boostrapping, in each experiment will use only approx. 2/3rd of the available samples.</a:t>
+            </a:r>
+          </a:p>
+          <a:p>
+            <a:pPr fontAlgn="base"/>
+            <a:r>
+              <a:rPr lang="en-US" b="0" i="0">
+                <a:solidFill>
+                  <a:srgbClr val="222222"/>
+                </a:solidFill>
+                <a:effectLst/>
+                <a:latin typeface="Source Sans Pro" panose="020B0503030403020204" pitchFamily="34" charset="0"/>
+              </a:rPr>
+              <a:t>Which leaves 1/3rd that we can use to estimate the validation error of each tree.</a:t>
+            </a:r>
+          </a:p>
+          <a:p>
+            <a:pPr fontAlgn="base"/>
+            <a:r>
+              <a:rPr lang="en-US" b="0" i="0">
+                <a:solidFill>
+                  <a:srgbClr val="222222"/>
+                </a:solidFill>
+                <a:effectLst/>
+                <a:latin typeface="Source Sans Pro" panose="020B0503030403020204" pitchFamily="34" charset="0"/>
+              </a:rPr>
+              <a:t>This is called OOB Out of Bag error.</a:t>
+            </a:r>
+          </a:p>
+          <a:p>
+            <a:pPr fontAlgn="base"/>
+            <a:r>
+              <a:rPr lang="en-US" b="0" i="0">
+                <a:solidFill>
+                  <a:srgbClr val="222222"/>
+                </a:solidFill>
+                <a:effectLst/>
+                <a:latin typeface="Source Sans Pro" panose="020B0503030403020204" pitchFamily="34" charset="0"/>
+              </a:rPr>
+              <a:t>It can be shown that with B sufficiently large, OOB error is virtually equivalent to leave-one-out cross-validation error.</a:t>
+            </a:r>
+          </a:p>
+        </p:txBody>
+      </p:sp>
+    </p:spTree>
+    <p:extLst>
+      <p:ext uri="{BB962C8B-B14F-4D97-AF65-F5344CB8AC3E}">
+        <p14:creationId xmlns:p14="http://schemas.microsoft.com/office/powerpoint/2010/main" val="2971010629"/>
+      </p:ext>
+    </p:extLst>
+  </p:cSld>
+  <p:clrMapOvr>
+    <a:masterClrMapping/>
+  </p:clrMapOvr>
+</p:sld>
+</file>
+
+<file path=ppt/slides/slide11.xml><?xml version="1.0" encoding="utf-8"?>
+<p:sld xmlns:a="http://schemas.openxmlformats.org/drawingml/2006/main" xmlns:r="http://schemas.openxmlformats.org/officeDocument/2006/relationships" xmlns:p="http://schemas.openxmlformats.org/presentationml/2006/main">
+  <p:cSld>
+    <p:spTree>
+      <p:nvGrpSpPr>
+        <p:cNvPr id="1" name=""/>
+        <p:cNvGrpSpPr/>
+        <p:nvPr/>
+      </p:nvGrpSpPr>
+      <p:grpSpPr>
+        <a:xfrm>
+          <a:off x="0" y="0"/>
+          <a:ext cx="0" cy="0"/>
+          <a:chOff x="0" y="0"/>
+          <a:chExt cx="0" cy="0"/>
+        </a:xfrm>
+      </p:grpSpPr>
+      <p:sp>
+        <p:nvSpPr>
+          <p:cNvPr id="3" name="Title 1">
+            <a:extLst>
+              <a:ext uri="{FF2B5EF4-FFF2-40B4-BE49-F238E27FC236}">
+                <a16:creationId xmlns:a16="http://schemas.microsoft.com/office/drawing/2014/main" id="{17E34EA6-D154-0A43-B55C-0C2603854BDA}"/>
+              </a:ext>
+            </a:extLst>
+          </p:cNvPr>
+          <p:cNvSpPr txBox="1">
+            <a:spLocks/>
+          </p:cNvSpPr>
+          <p:nvPr/>
+        </p:nvSpPr>
+        <p:spPr>
+          <a:xfrm>
+            <a:off x="-10274" y="-5170"/>
+            <a:ext cx="12202274" cy="646331"/>
+          </a:xfrm>
+          <a:prstGeom prst="rect">
+            <a:avLst/>
+          </a:prstGeom>
+          <a:solidFill>
+            <a:srgbClr val="C04E00"/>
+          </a:solidFill>
+        </p:spPr>
+        <p:txBody>
+          <a:bodyPr vert="horz" lIns="91440" tIns="45720" rIns="91440" bIns="45720" rtlCol="0" anchor="ctr">
+            <a:normAutofit fontScale="97500" lnSpcReduction="10000"/>
+          </a:bodyPr>
+          <a:lstStyle>
+            <a:lvl1pPr algn="l" defTabSz="914400" rtl="0" eaLnBrk="1" latinLnBrk="0" hangingPunct="1">
+              <a:lnSpc>
+                <a:spcPct val="90000"/>
+              </a:lnSpc>
+              <a:spcBef>
+                <a:spcPct val="0"/>
+              </a:spcBef>
+              <a:buNone/>
+              <a:defRPr sz="4400" kern="1200">
+                <a:solidFill>
+                  <a:schemeClr val="tx1"/>
+                </a:solidFill>
+                <a:latin typeface="+mj-lt"/>
+                <a:ea typeface="+mj-ea"/>
+                <a:cs typeface="+mj-cs"/>
+              </a:defRPr>
+            </a:lvl1pPr>
+          </a:lstStyle>
+          <a:p>
+            <a:r>
+              <a:rPr lang="fr-FR">
+                <a:solidFill>
+                  <a:schemeClr val="tx2">
+                    <a:lumMod val="20000"/>
+                    <a:lumOff val="80000"/>
+                  </a:schemeClr>
+                </a:solidFill>
+              </a:rPr>
+              <a:t>Random Forests</a:t>
+            </a:r>
+          </a:p>
+        </p:txBody>
+      </p:sp>
+      <p:sp>
+        <p:nvSpPr>
+          <p:cNvPr id="2" name="Rectangle 1">
+            <a:extLst>
+              <a:ext uri="{FF2B5EF4-FFF2-40B4-BE49-F238E27FC236}">
+                <a16:creationId xmlns:a16="http://schemas.microsoft.com/office/drawing/2014/main" id="{9ECB4064-0A7D-B642-9ED2-D9AB1B9C1D7C}"/>
+              </a:ext>
+            </a:extLst>
+          </p:cNvPr>
+          <p:cNvSpPr/>
+          <p:nvPr/>
+        </p:nvSpPr>
+        <p:spPr>
+          <a:xfrm>
+            <a:off x="1195227" y="1008198"/>
+            <a:ext cx="6096000" cy="5355312"/>
+          </a:xfrm>
+          <a:prstGeom prst="rect">
+            <a:avLst/>
+          </a:prstGeom>
+        </p:spPr>
+        <p:txBody>
+          <a:bodyPr>
+            <a:spAutoFit/>
+          </a:bodyPr>
+          <a:lstStyle/>
+          <a:p>
+            <a:pPr fontAlgn="base"/>
+            <a:r>
+              <a:rPr lang="en-US" b="0" i="0">
+                <a:solidFill>
+                  <a:srgbClr val="222222"/>
+                </a:solidFill>
+                <a:effectLst/>
+                <a:latin typeface="Source Sans Pro" panose="020B0503030403020204" pitchFamily="34" charset="0"/>
+              </a:rPr>
+              <a:t>Extension of bootstrapping to features</a:t>
+            </a:r>
+          </a:p>
+          <a:p>
+            <a:pPr fontAlgn="base">
+              <a:buFont typeface="Arial" panose="020B0604020202020204" pitchFamily="34" charset="0"/>
+              <a:buChar char="•"/>
+            </a:pPr>
+            <a:r>
+              <a:rPr lang="en-US" b="0" i="0">
+                <a:solidFill>
+                  <a:srgbClr val="222222"/>
+                </a:solidFill>
+                <a:effectLst/>
+                <a:latin typeface="inherit"/>
+              </a:rPr>
+              <a:t>In random forests, each tree in the ensemble is built from a sample drawn with replacement (i.e., a bootstrap sample) from the training set.</a:t>
+            </a:r>
+          </a:p>
+          <a:p>
+            <a:pPr fontAlgn="base">
+              <a:buFont typeface="Arial" panose="020B0604020202020204" pitchFamily="34" charset="0"/>
+              <a:buChar char="•"/>
+            </a:pPr>
+            <a:r>
+              <a:rPr lang="en-US" b="0" i="0">
+                <a:solidFill>
+                  <a:srgbClr val="222222"/>
+                </a:solidFill>
+                <a:effectLst/>
+                <a:latin typeface="inherit"/>
+              </a:rPr>
+              <a:t>In addition, when splitting a node during the construction of the tree, the split that is picked is the best split among </a:t>
+            </a:r>
+            <a:r>
+              <a:rPr lang="en-US" b="1" i="0">
+                <a:solidFill>
+                  <a:srgbClr val="222222"/>
+                </a:solidFill>
+                <a:effectLst/>
+                <a:latin typeface="inherit"/>
+              </a:rPr>
+              <a:t>a random subset of the features</a:t>
+            </a:r>
+            <a:r>
+              <a:rPr lang="en-US" b="0" i="0">
+                <a:solidFill>
+                  <a:srgbClr val="222222"/>
+                </a:solidFill>
+                <a:effectLst/>
+                <a:latin typeface="inherit"/>
+              </a:rPr>
+              <a:t>.</a:t>
+            </a:r>
+          </a:p>
+          <a:p>
+            <a:pPr fontAlgn="base"/>
+            <a:r>
+              <a:rPr lang="en-US" b="0" i="0">
+                <a:solidFill>
+                  <a:srgbClr val="222222"/>
+                </a:solidFill>
+                <a:effectLst/>
+                <a:latin typeface="Source Sans Pro" panose="020B0503030403020204" pitchFamily="34" charset="0"/>
+              </a:rPr>
+              <a:t>=&gt; The </a:t>
+            </a:r>
+            <a:r>
+              <a:rPr lang="en-US" b="1" i="0">
+                <a:solidFill>
+                  <a:srgbClr val="222222"/>
+                </a:solidFill>
+                <a:effectLst/>
+                <a:latin typeface="inherit"/>
+              </a:rPr>
+              <a:t>bias slightly increases</a:t>
+            </a:r>
+            <a:r>
+              <a:rPr lang="en-US" b="0" i="0">
+                <a:solidFill>
+                  <a:srgbClr val="222222"/>
+                </a:solidFill>
+                <a:effectLst/>
+                <a:latin typeface="Source Sans Pro" panose="020B0503030403020204" pitchFamily="34" charset="0"/>
+              </a:rPr>
+              <a:t> compared to the bias of a single non-random tree</a:t>
+            </a:r>
+          </a:p>
+          <a:p>
+            <a:pPr fontAlgn="base"/>
+            <a:r>
+              <a:rPr lang="en-US" b="0" i="0">
+                <a:solidFill>
+                  <a:srgbClr val="222222"/>
+                </a:solidFill>
+                <a:effectLst/>
+                <a:latin typeface="Source Sans Pro" panose="020B0503030403020204" pitchFamily="34" charset="0"/>
+              </a:rPr>
+              <a:t>=&gt; but, due to averaging, </a:t>
+            </a:r>
+            <a:r>
+              <a:rPr lang="en-US" b="1" i="0">
+                <a:solidFill>
+                  <a:srgbClr val="222222"/>
+                </a:solidFill>
+                <a:effectLst/>
+                <a:latin typeface="inherit"/>
+              </a:rPr>
+              <a:t>its variance decreases</a:t>
+            </a:r>
+            <a:r>
+              <a:rPr lang="en-US" b="0" i="0">
+                <a:solidFill>
+                  <a:srgbClr val="222222"/>
+                </a:solidFill>
+                <a:effectLst/>
+                <a:latin typeface="Source Sans Pro" panose="020B0503030403020204" pitchFamily="34" charset="0"/>
+              </a:rPr>
+              <a:t>,</a:t>
+            </a:r>
+          </a:p>
+          <a:p>
+            <a:pPr fontAlgn="base"/>
+            <a:r>
+              <a:rPr lang="en-US" b="0" i="0">
+                <a:solidFill>
+                  <a:srgbClr val="222222"/>
+                </a:solidFill>
+                <a:effectLst/>
+                <a:latin typeface="Source Sans Pro" panose="020B0503030403020204" pitchFamily="34" charset="0"/>
+              </a:rPr>
+              <a:t>usually more than compensating for the increase in bias, hence yielding an overall better model.</a:t>
+            </a:r>
+          </a:p>
+          <a:p>
+            <a:pPr fontAlgn="base"/>
+            <a:r>
+              <a:rPr lang="en-US" b="0" i="0">
+                <a:solidFill>
+                  <a:srgbClr val="222222"/>
+                </a:solidFill>
+                <a:effectLst/>
+                <a:latin typeface="Source Sans Pro" panose="020B0503030403020204" pitchFamily="34" charset="0"/>
+              </a:rPr>
+              <a:t>A </a:t>
+            </a:r>
+            <a:r>
+              <a:rPr lang="en-US" b="1" i="0">
+                <a:solidFill>
+                  <a:srgbClr val="222222"/>
+                </a:solidFill>
+                <a:effectLst/>
+                <a:latin typeface="inherit"/>
+              </a:rPr>
+              <a:t>Random Forest is a generalization of Bagging that is specific to Decision Trees</a:t>
+            </a:r>
+            <a:r>
+              <a:rPr lang="en-US" b="0" i="0">
+                <a:solidFill>
+                  <a:srgbClr val="222222"/>
+                </a:solidFill>
+                <a:effectLst/>
+                <a:latin typeface="Source Sans Pro" panose="020B0503030403020204" pitchFamily="34" charset="0"/>
+              </a:rPr>
+              <a:t>.</a:t>
+            </a:r>
+          </a:p>
+          <a:p>
+            <a:pPr fontAlgn="base"/>
+            <a:r>
+              <a:rPr lang="en-US" b="0" i="0">
+                <a:solidFill>
+                  <a:srgbClr val="222222"/>
+                </a:solidFill>
+                <a:effectLst/>
+                <a:latin typeface="Source Sans Pro" panose="020B0503030403020204" pitchFamily="34" charset="0"/>
+              </a:rPr>
+              <a:t>At each branch in the decision tree, Random Forest training also subsamples the features in addition to the training examples.</a:t>
+            </a:r>
+          </a:p>
+          <a:p>
+            <a:pPr fontAlgn="base"/>
+            <a:r>
+              <a:rPr lang="en-US" b="0" i="0">
+                <a:solidFill>
+                  <a:srgbClr val="222222"/>
+                </a:solidFill>
+                <a:effectLst/>
+                <a:latin typeface="Source Sans Pro" panose="020B0503030403020204" pitchFamily="34" charset="0"/>
+              </a:rPr>
+              <a:t>Intuitively, this process further de-correlates the individual trees, which is good for Bagging.</a:t>
+            </a:r>
+          </a:p>
+        </p:txBody>
+      </p:sp>
+    </p:spTree>
+    <p:extLst>
+      <p:ext uri="{BB962C8B-B14F-4D97-AF65-F5344CB8AC3E}">
+        <p14:creationId xmlns:p14="http://schemas.microsoft.com/office/powerpoint/2010/main" val="2046733051"/>
+      </p:ext>
+    </p:extLst>
+  </p:cSld>
+  <p:clrMapOvr>
+    <a:masterClrMapping/>
+  </p:clrMapOvr>
+</p:sld>
+</file>
+
+<file path=ppt/slides/slide12.xml><?xml version="1.0" encoding="utf-8"?>
+<p:sld xmlns:a="http://schemas.openxmlformats.org/drawingml/2006/main" xmlns:r="http://schemas.openxmlformats.org/officeDocument/2006/relationships" xmlns:p="http://schemas.openxmlformats.org/presentationml/2006/main">
+  <p:cSld>
+    <p:spTree>
+      <p:nvGrpSpPr>
+        <p:cNvPr id="1" name=""/>
+        <p:cNvGrpSpPr/>
+        <p:nvPr/>
+      </p:nvGrpSpPr>
+      <p:grpSpPr>
+        <a:xfrm>
+          <a:off x="0" y="0"/>
+          <a:ext cx="0" cy="0"/>
+          <a:chOff x="0" y="0"/>
+          <a:chExt cx="0" cy="0"/>
+        </a:xfrm>
+      </p:grpSpPr>
+      <p:sp>
+        <p:nvSpPr>
+          <p:cNvPr id="3" name="Title 1">
+            <a:extLst>
+              <a:ext uri="{FF2B5EF4-FFF2-40B4-BE49-F238E27FC236}">
+                <a16:creationId xmlns:a16="http://schemas.microsoft.com/office/drawing/2014/main" id="{17E34EA6-D154-0A43-B55C-0C2603854BDA}"/>
+              </a:ext>
+            </a:extLst>
+          </p:cNvPr>
+          <p:cNvSpPr txBox="1">
+            <a:spLocks/>
+          </p:cNvSpPr>
+          <p:nvPr/>
+        </p:nvSpPr>
+        <p:spPr>
+          <a:xfrm>
+            <a:off x="-10274" y="-5170"/>
+            <a:ext cx="12202274" cy="646331"/>
+          </a:xfrm>
+          <a:prstGeom prst="rect">
+            <a:avLst/>
+          </a:prstGeom>
+          <a:solidFill>
+            <a:srgbClr val="C04E00"/>
+          </a:solidFill>
+        </p:spPr>
+        <p:txBody>
+          <a:bodyPr vert="horz" lIns="91440" tIns="45720" rIns="91440" bIns="45720" rtlCol="0" anchor="ctr">
+            <a:normAutofit fontScale="97500" lnSpcReduction="10000"/>
+          </a:bodyPr>
+          <a:lstStyle>
+            <a:lvl1pPr algn="l" defTabSz="914400" rtl="0" eaLnBrk="1" latinLnBrk="0" hangingPunct="1">
+              <a:lnSpc>
+                <a:spcPct val="90000"/>
+              </a:lnSpc>
+              <a:spcBef>
+                <a:spcPct val="0"/>
+              </a:spcBef>
+              <a:buNone/>
+              <a:defRPr sz="4400" kern="1200">
+                <a:solidFill>
+                  <a:schemeClr val="tx1"/>
+                </a:solidFill>
+                <a:latin typeface="+mj-lt"/>
+                <a:ea typeface="+mj-ea"/>
+                <a:cs typeface="+mj-cs"/>
+              </a:defRPr>
+            </a:lvl1pPr>
+          </a:lstStyle>
+          <a:p>
+            <a:r>
+              <a:rPr lang="fr-FR">
+                <a:solidFill>
+                  <a:schemeClr val="tx2">
+                    <a:lumMod val="20000"/>
+                    <a:lumOff val="80000"/>
+                  </a:schemeClr>
+                </a:solidFill>
+              </a:rPr>
+              <a:t>Random Forests</a:t>
+            </a:r>
+          </a:p>
+        </p:txBody>
+      </p:sp>
+      <p:sp>
+        <p:nvSpPr>
+          <p:cNvPr id="2" name="Rectangle 1">
+            <a:extLst>
+              <a:ext uri="{FF2B5EF4-FFF2-40B4-BE49-F238E27FC236}">
+                <a16:creationId xmlns:a16="http://schemas.microsoft.com/office/drawing/2014/main" id="{9ECB4064-0A7D-B642-9ED2-D9AB1B9C1D7C}"/>
+              </a:ext>
+            </a:extLst>
+          </p:cNvPr>
+          <p:cNvSpPr/>
+          <p:nvPr/>
+        </p:nvSpPr>
+        <p:spPr>
+          <a:xfrm>
+            <a:off x="1195227" y="1008198"/>
+            <a:ext cx="6096000" cy="2031325"/>
+          </a:xfrm>
+          <a:prstGeom prst="rect">
+            <a:avLst/>
+          </a:prstGeom>
+        </p:spPr>
+        <p:txBody>
+          <a:bodyPr>
+            <a:spAutoFit/>
+          </a:bodyPr>
+          <a:lstStyle/>
+          <a:p>
+            <a:pPr fontAlgn="base"/>
+            <a:r>
+              <a:rPr lang="en-US" b="1" cap="all"/>
+              <a:t>FEATURE IMPORTANCE</a:t>
+            </a:r>
+          </a:p>
+          <a:p>
+            <a:pPr fontAlgn="base"/>
+            <a:r>
+              <a:rPr lang="en-US"/>
+              <a:t>When the </a:t>
+            </a:r>
+            <a:r>
+              <a:rPr lang="en-US" i="1"/>
+              <a:t>max_features &lt; total number of features</a:t>
+            </a:r>
+            <a:r>
+              <a:rPr lang="en-US"/>
+              <a:t>.</a:t>
+            </a:r>
+          </a:p>
+          <a:p>
+            <a:pPr fontAlgn="base"/>
+            <a:r>
+              <a:rPr lang="en-US"/>
+              <a:t>=&gt; Some features are left out of the splitting decision in each node.</a:t>
+            </a:r>
+          </a:p>
+          <a:p>
+            <a:pPr fontAlgn="base"/>
+            <a:r>
+              <a:rPr lang="en-US"/>
+              <a:t>Relative Feature importance can be deduced from the delta in MSE associated to the features included vs left out.</a:t>
+            </a:r>
+          </a:p>
+          <a:p>
+            <a:pPr fontAlgn="base"/>
+            <a:endParaRPr lang="en-US" b="0" i="0">
+              <a:solidFill>
+                <a:srgbClr val="222222"/>
+              </a:solidFill>
+              <a:effectLst/>
+              <a:latin typeface="Source Sans Pro" panose="020B0503030403020204" pitchFamily="34" charset="0"/>
+            </a:endParaRPr>
+          </a:p>
+        </p:txBody>
+      </p:sp>
+    </p:spTree>
+    <p:extLst>
+      <p:ext uri="{BB962C8B-B14F-4D97-AF65-F5344CB8AC3E}">
+        <p14:creationId xmlns:p14="http://schemas.microsoft.com/office/powerpoint/2010/main" val="2412100422"/>
+      </p:ext>
+    </p:extLst>
+  </p:cSld>
+  <p:clrMapOvr>
+    <a:masterClrMapping/>
+  </p:clrMapOvr>
+</p:sld>
+</file>
+
 <file path=ppt/slides/slide2.xml><?xml version="1.0" encoding="utf-8"?>
 <p:sld xmlns:a="http://schemas.openxmlformats.org/drawingml/2006/main" xmlns:r="http://schemas.openxmlformats.org/officeDocument/2006/relationships" xmlns:p="http://schemas.openxmlformats.org/presentationml/2006/main">
   <p:cSld>
@@ -3968,14 +4591,14 @@
         <p:spPr>
           <a:xfrm>
             <a:off x="428090" y="1093713"/>
-            <a:ext cx="6096000" cy="2862322"/>
+            <a:ext cx="10051550" cy="2031325"/>
           </a:xfrm>
           <a:prstGeom prst="rect">
             <a:avLst/>
           </a:prstGeom>
         </p:spPr>
         <p:txBody>
-          <a:bodyPr>
+          <a:bodyPr wrap="square">
             <a:spAutoFit/>
           </a:bodyPr>
           <a:lstStyle/>
@@ -4121,7 +4744,7 @@
         </p:nvSpPr>
         <p:spPr>
           <a:xfrm>
-            <a:off x="6096000" y="4098300"/>
+            <a:off x="6090863" y="3577590"/>
             <a:ext cx="6096000" cy="2031325"/>
           </a:xfrm>
           <a:prstGeom prst="rect">
@@ -4226,10 +4849,852 @@
           </a:p>
         </p:txBody>
       </p:sp>
+      <p:sp>
+        <p:nvSpPr>
+          <p:cNvPr id="7" name="TextBox 6">
+            <a:extLst>
+              <a:ext uri="{FF2B5EF4-FFF2-40B4-BE49-F238E27FC236}">
+                <a16:creationId xmlns:a16="http://schemas.microsoft.com/office/drawing/2014/main" id="{3DEDA92F-4251-B14B-889B-EFE030E1FFD9}"/>
+              </a:ext>
+            </a:extLst>
+          </p:cNvPr>
+          <p:cNvSpPr txBox="1"/>
+          <p:nvPr/>
+        </p:nvSpPr>
+        <p:spPr>
+          <a:xfrm>
+            <a:off x="428090" y="5764287"/>
+            <a:ext cx="4004943" cy="369332"/>
+          </a:xfrm>
+          <a:prstGeom prst="rect">
+            <a:avLst/>
+          </a:prstGeom>
+          <a:noFill/>
+        </p:spPr>
+        <p:txBody>
+          <a:bodyPr wrap="none" rtlCol="0">
+            <a:spAutoFit/>
+          </a:bodyPr>
+          <a:lstStyle/>
+          <a:p>
+            <a:r>
+              <a:rPr lang="fr-FR" b="1"/>
+              <a:t>Pruning</a:t>
+            </a:r>
+            <a:r>
+              <a:rPr lang="fr-FR"/>
+              <a:t>: limiter la profondeur des arbres</a:t>
+            </a:r>
+          </a:p>
+        </p:txBody>
+      </p:sp>
     </p:spTree>
     <p:extLst>
       <p:ext uri="{BB962C8B-B14F-4D97-AF65-F5344CB8AC3E}">
         <p14:creationId xmlns:p14="http://schemas.microsoft.com/office/powerpoint/2010/main" val="3803664756"/>
+      </p:ext>
+    </p:extLst>
+  </p:cSld>
+  <p:clrMapOvr>
+    <a:masterClrMapping/>
+  </p:clrMapOvr>
+</p:sld>
+</file>
+
+<file path=ppt/slides/slide6.xml><?xml version="1.0" encoding="utf-8"?>
+<p:sld xmlns:a="http://schemas.openxmlformats.org/drawingml/2006/main" xmlns:r="http://schemas.openxmlformats.org/officeDocument/2006/relationships" xmlns:p="http://schemas.openxmlformats.org/presentationml/2006/main">
+  <p:cSld>
+    <p:spTree>
+      <p:nvGrpSpPr>
+        <p:cNvPr id="1" name=""/>
+        <p:cNvGrpSpPr/>
+        <p:nvPr/>
+      </p:nvGrpSpPr>
+      <p:grpSpPr>
+        <a:xfrm>
+          <a:off x="0" y="0"/>
+          <a:ext cx="0" cy="0"/>
+          <a:chOff x="0" y="0"/>
+          <a:chExt cx="0" cy="0"/>
+        </a:xfrm>
+      </p:grpSpPr>
+      <p:sp>
+        <p:nvSpPr>
+          <p:cNvPr id="2" name="Title 1">
+            <a:extLst>
+              <a:ext uri="{FF2B5EF4-FFF2-40B4-BE49-F238E27FC236}">
+                <a16:creationId xmlns:a16="http://schemas.microsoft.com/office/drawing/2014/main" id="{8DF3D1FD-153C-FF4E-A501-1D4940DF3B14}"/>
+              </a:ext>
+            </a:extLst>
+          </p:cNvPr>
+          <p:cNvSpPr txBox="1">
+            <a:spLocks/>
+          </p:cNvSpPr>
+          <p:nvPr/>
+        </p:nvSpPr>
+        <p:spPr>
+          <a:xfrm>
+            <a:off x="-10274" y="-5170"/>
+            <a:ext cx="12202274" cy="646331"/>
+          </a:xfrm>
+          <a:prstGeom prst="rect">
+            <a:avLst/>
+          </a:prstGeom>
+          <a:solidFill>
+            <a:srgbClr val="00FDFF"/>
+          </a:solidFill>
+        </p:spPr>
+        <p:txBody>
+          <a:bodyPr vert="horz" lIns="91440" tIns="45720" rIns="91440" bIns="45720" rtlCol="0" anchor="ctr">
+            <a:normAutofit fontScale="97500" lnSpcReduction="10000"/>
+          </a:bodyPr>
+          <a:lstStyle>
+            <a:lvl1pPr algn="l" defTabSz="914400" rtl="0" eaLnBrk="1" latinLnBrk="0" hangingPunct="1">
+              <a:lnSpc>
+                <a:spcPct val="90000"/>
+              </a:lnSpc>
+              <a:spcBef>
+                <a:spcPct val="0"/>
+              </a:spcBef>
+              <a:buNone/>
+              <a:defRPr sz="4400" kern="1200">
+                <a:solidFill>
+                  <a:schemeClr val="tx1"/>
+                </a:solidFill>
+                <a:latin typeface="+mj-lt"/>
+                <a:ea typeface="+mj-ea"/>
+                <a:cs typeface="+mj-cs"/>
+              </a:defRPr>
+            </a:lvl1pPr>
+          </a:lstStyle>
+          <a:p>
+            <a:r>
+              <a:rPr lang="fr-FR"/>
+              <a:t>Arbres de décision</a:t>
+            </a:r>
+          </a:p>
+        </p:txBody>
+      </p:sp>
+      <p:sp>
+        <p:nvSpPr>
+          <p:cNvPr id="3" name="Rectangle 2">
+            <a:extLst>
+              <a:ext uri="{FF2B5EF4-FFF2-40B4-BE49-F238E27FC236}">
+                <a16:creationId xmlns:a16="http://schemas.microsoft.com/office/drawing/2014/main" id="{8F008A5B-0E5F-F840-82F7-D96CA27CCFC2}"/>
+              </a:ext>
+            </a:extLst>
+          </p:cNvPr>
+          <p:cNvSpPr/>
+          <p:nvPr/>
+        </p:nvSpPr>
+        <p:spPr>
+          <a:xfrm>
+            <a:off x="500009" y="928923"/>
+            <a:ext cx="6096000" cy="2308324"/>
+          </a:xfrm>
+          <a:prstGeom prst="rect">
+            <a:avLst/>
+          </a:prstGeom>
+        </p:spPr>
+        <p:txBody>
+          <a:bodyPr>
+            <a:spAutoFit/>
+          </a:bodyPr>
+          <a:lstStyle/>
+          <a:p>
+            <a:pPr fontAlgn="base"/>
+            <a:r>
+              <a:rPr lang="en-US" b="0" i="0">
+                <a:solidFill>
+                  <a:srgbClr val="222222"/>
+                </a:solidFill>
+                <a:effectLst/>
+                <a:latin typeface="Source Sans Pro" panose="020B0503030403020204" pitchFamily="34" charset="0"/>
+              </a:rPr>
+              <a:t>Set these params to control the tree complexity</a:t>
+            </a:r>
+          </a:p>
+          <a:p>
+            <a:pPr fontAlgn="base">
+              <a:buFont typeface="Arial" panose="020B0604020202020204" pitchFamily="34" charset="0"/>
+              <a:buChar char="•"/>
+            </a:pPr>
+            <a:r>
+              <a:rPr lang="en-US" b="1" i="0">
+                <a:solidFill>
+                  <a:srgbClr val="222222"/>
+                </a:solidFill>
+                <a:effectLst/>
+                <a:latin typeface="inherit"/>
+              </a:rPr>
+              <a:t>max_depth</a:t>
+            </a:r>
+            <a:r>
+              <a:rPr lang="en-US" b="0" i="0">
+                <a:solidFill>
+                  <a:srgbClr val="222222"/>
+                </a:solidFill>
+                <a:effectLst/>
+                <a:latin typeface="inherit"/>
+              </a:rPr>
+              <a:t> (pruning): The maximum depth of the tree</a:t>
+            </a:r>
+          </a:p>
+          <a:p>
+            <a:pPr fontAlgn="base">
+              <a:buFont typeface="Arial" panose="020B0604020202020204" pitchFamily="34" charset="0"/>
+              <a:buChar char="•"/>
+            </a:pPr>
+            <a:r>
+              <a:rPr lang="en-US" b="1" i="0">
+                <a:solidFill>
+                  <a:srgbClr val="222222"/>
+                </a:solidFill>
+                <a:effectLst/>
+                <a:latin typeface="inherit"/>
+              </a:rPr>
+              <a:t>min_samples_split</a:t>
+            </a:r>
+            <a:r>
+              <a:rPr lang="en-US" b="0" i="0">
+                <a:solidFill>
+                  <a:srgbClr val="222222"/>
+                </a:solidFill>
+                <a:effectLst/>
+                <a:latin typeface="inherit"/>
+              </a:rPr>
+              <a:t>: The minimum number of samples required to split an internal node</a:t>
+            </a:r>
+          </a:p>
+          <a:p>
+            <a:pPr fontAlgn="base">
+              <a:buFont typeface="Arial" panose="020B0604020202020204" pitchFamily="34" charset="0"/>
+              <a:buChar char="•"/>
+            </a:pPr>
+            <a:r>
+              <a:rPr lang="en-US" b="1" i="0">
+                <a:solidFill>
+                  <a:srgbClr val="222222"/>
+                </a:solidFill>
+                <a:effectLst/>
+                <a:latin typeface="inherit"/>
+              </a:rPr>
+              <a:t>min_samples_leaf</a:t>
+            </a:r>
+            <a:r>
+              <a:rPr lang="en-US" b="0" i="0">
+                <a:solidFill>
+                  <a:srgbClr val="222222"/>
+                </a:solidFill>
+                <a:effectLst/>
+                <a:latin typeface="Source Sans Pro" panose="020B0503030403020204" pitchFamily="34" charset="0"/>
+              </a:rPr>
+              <a:t>: The minimum number of samples required to be at a leaf node.</a:t>
+            </a:r>
+          </a:p>
+          <a:p>
+            <a:pPr fontAlgn="base">
+              <a:buFont typeface="Arial" panose="020B0604020202020204" pitchFamily="34" charset="0"/>
+              <a:buChar char="•"/>
+            </a:pPr>
+            <a:r>
+              <a:rPr lang="en-US" b="1" i="0">
+                <a:solidFill>
+                  <a:srgbClr val="222222"/>
+                </a:solidFill>
+                <a:effectLst/>
+                <a:latin typeface="inherit"/>
+              </a:rPr>
+              <a:t>max_features</a:t>
+            </a:r>
+            <a:r>
+              <a:rPr lang="en-US" b="0" i="0">
+                <a:solidFill>
+                  <a:srgbClr val="222222"/>
+                </a:solidFill>
+                <a:effectLst/>
+                <a:latin typeface="Source Sans Pro" panose="020B0503030403020204" pitchFamily="34" charset="0"/>
+              </a:rPr>
+              <a:t>: The number of features to consider when looking for the best split</a:t>
+            </a:r>
+          </a:p>
+        </p:txBody>
+      </p:sp>
+    </p:spTree>
+    <p:extLst>
+      <p:ext uri="{BB962C8B-B14F-4D97-AF65-F5344CB8AC3E}">
+        <p14:creationId xmlns:p14="http://schemas.microsoft.com/office/powerpoint/2010/main" val="568105453"/>
+      </p:ext>
+    </p:extLst>
+  </p:cSld>
+  <p:clrMapOvr>
+    <a:masterClrMapping/>
+  </p:clrMapOvr>
+</p:sld>
+</file>
+
+<file path=ppt/slides/slide7.xml><?xml version="1.0" encoding="utf-8"?>
+<p:sld xmlns:a="http://schemas.openxmlformats.org/drawingml/2006/main" xmlns:r="http://schemas.openxmlformats.org/officeDocument/2006/relationships" xmlns:p="http://schemas.openxmlformats.org/presentationml/2006/main">
+  <p:cSld>
+    <p:spTree>
+      <p:nvGrpSpPr>
+        <p:cNvPr id="1" name=""/>
+        <p:cNvGrpSpPr/>
+        <p:nvPr/>
+      </p:nvGrpSpPr>
+      <p:grpSpPr>
+        <a:xfrm>
+          <a:off x="0" y="0"/>
+          <a:ext cx="0" cy="0"/>
+          <a:chOff x="0" y="0"/>
+          <a:chExt cx="0" cy="0"/>
+        </a:xfrm>
+      </p:grpSpPr>
+      <p:sp>
+        <p:nvSpPr>
+          <p:cNvPr id="2" name="Title 1">
+            <a:extLst>
+              <a:ext uri="{FF2B5EF4-FFF2-40B4-BE49-F238E27FC236}">
+                <a16:creationId xmlns:a16="http://schemas.microsoft.com/office/drawing/2014/main" id="{03D80A8B-FC44-D345-9B37-2D3A3DB7D5AC}"/>
+              </a:ext>
+            </a:extLst>
+          </p:cNvPr>
+          <p:cNvSpPr txBox="1">
+            <a:spLocks/>
+          </p:cNvSpPr>
+          <p:nvPr/>
+        </p:nvSpPr>
+        <p:spPr>
+          <a:xfrm>
+            <a:off x="-10274" y="-5170"/>
+            <a:ext cx="12202274" cy="646331"/>
+          </a:xfrm>
+          <a:prstGeom prst="rect">
+            <a:avLst/>
+          </a:prstGeom>
+          <a:solidFill>
+            <a:srgbClr val="FF0000"/>
+          </a:solidFill>
+        </p:spPr>
+        <p:txBody>
+          <a:bodyPr vert="horz" lIns="91440" tIns="45720" rIns="91440" bIns="45720" rtlCol="0" anchor="ctr">
+            <a:normAutofit fontScale="97500" lnSpcReduction="10000"/>
+          </a:bodyPr>
+          <a:lstStyle>
+            <a:lvl1pPr algn="l" defTabSz="914400" rtl="0" eaLnBrk="1" latinLnBrk="0" hangingPunct="1">
+              <a:lnSpc>
+                <a:spcPct val="90000"/>
+              </a:lnSpc>
+              <a:spcBef>
+                <a:spcPct val="0"/>
+              </a:spcBef>
+              <a:buNone/>
+              <a:defRPr sz="4400" kern="1200">
+                <a:solidFill>
+                  <a:schemeClr val="tx1"/>
+                </a:solidFill>
+                <a:latin typeface="+mj-lt"/>
+                <a:ea typeface="+mj-ea"/>
+                <a:cs typeface="+mj-cs"/>
+              </a:defRPr>
+            </a:lvl1pPr>
+          </a:lstStyle>
+          <a:p>
+            <a:r>
+              <a:rPr lang="fr-FR">
+                <a:solidFill>
+                  <a:schemeClr val="bg1"/>
+                </a:solidFill>
+              </a:rPr>
+              <a:t>A vous – Arbres de décision</a:t>
+            </a:r>
+          </a:p>
+        </p:txBody>
+      </p:sp>
+      <p:pic>
+        <p:nvPicPr>
+          <p:cNvPr id="4" name="Picture 3">
+            <a:extLst>
+              <a:ext uri="{FF2B5EF4-FFF2-40B4-BE49-F238E27FC236}">
+                <a16:creationId xmlns:a16="http://schemas.microsoft.com/office/drawing/2014/main" id="{45690ADE-317F-8748-8B48-8F6A87166F32}"/>
+              </a:ext>
+            </a:extLst>
+          </p:cNvPr>
+          <p:cNvPicPr>
+            <a:picLocks noChangeAspect="1"/>
+          </p:cNvPicPr>
+          <p:nvPr/>
+        </p:nvPicPr>
+        <p:blipFill>
+          <a:blip r:embed="rId2"/>
+          <a:stretch>
+            <a:fillRect/>
+          </a:stretch>
+        </p:blipFill>
+        <p:spPr>
+          <a:xfrm>
+            <a:off x="-41096" y="1604394"/>
+            <a:ext cx="12192000" cy="1491640"/>
+          </a:xfrm>
+          <a:prstGeom prst="rect">
+            <a:avLst/>
+          </a:prstGeom>
+        </p:spPr>
+      </p:pic>
+      <p:sp>
+        <p:nvSpPr>
+          <p:cNvPr id="5" name="Rectangle 4">
+            <a:extLst>
+              <a:ext uri="{FF2B5EF4-FFF2-40B4-BE49-F238E27FC236}">
+                <a16:creationId xmlns:a16="http://schemas.microsoft.com/office/drawing/2014/main" id="{32AFA964-62D4-AB4C-947B-2F0896C2315F}"/>
+              </a:ext>
+            </a:extLst>
+          </p:cNvPr>
+          <p:cNvSpPr/>
+          <p:nvPr/>
+        </p:nvSpPr>
+        <p:spPr>
+          <a:xfrm>
+            <a:off x="6407650" y="3597637"/>
+            <a:ext cx="6096000" cy="2585323"/>
+          </a:xfrm>
+          <a:prstGeom prst="rect">
+            <a:avLst/>
+          </a:prstGeom>
+        </p:spPr>
+        <p:txBody>
+          <a:bodyPr>
+            <a:spAutoFit/>
+          </a:bodyPr>
+          <a:lstStyle/>
+          <a:p>
+            <a:pPr fontAlgn="base"/>
+            <a:r>
+              <a:rPr lang="en-US" b="1" i="0" cap="all">
+                <a:solidFill>
+                  <a:srgbClr val="222222"/>
+                </a:solidFill>
+                <a:effectLst/>
+                <a:latin typeface="Source Sans Pro" panose="020B0503030403020204" pitchFamily="34" charset="0"/>
+              </a:rPr>
+              <a:t>BIAIS - VARIANCE</a:t>
+            </a:r>
+          </a:p>
+          <a:p>
+            <a:pPr fontAlgn="base"/>
+            <a:r>
+              <a:rPr lang="en-US" b="1" i="0" cap="all">
+                <a:solidFill>
+                  <a:srgbClr val="222222"/>
+                </a:solidFill>
+                <a:effectLst/>
+                <a:latin typeface="Source Sans Pro" panose="020B0503030403020204" pitchFamily="34" charset="0"/>
+              </a:rPr>
+              <a:t>DEEP</a:t>
+            </a:r>
+          </a:p>
+          <a:p>
+            <a:pPr fontAlgn="base">
+              <a:buFont typeface="Arial" panose="020B0604020202020204" pitchFamily="34" charset="0"/>
+              <a:buChar char="•"/>
+            </a:pPr>
+            <a:r>
+              <a:rPr lang="en-US" b="0" i="0">
+                <a:solidFill>
+                  <a:srgbClr val="222222"/>
+                </a:solidFill>
+                <a:effectLst/>
+                <a:latin typeface="Source Sans Pro" panose="020B0503030403020204" pitchFamily="34" charset="0"/>
+              </a:rPr>
+              <a:t>Low bias, high variance</a:t>
+            </a:r>
+          </a:p>
+          <a:p>
+            <a:pPr fontAlgn="base">
+              <a:buFont typeface="Arial" panose="020B0604020202020204" pitchFamily="34" charset="0"/>
+              <a:buChar char="•"/>
+            </a:pPr>
+            <a:r>
+              <a:rPr lang="en-US" b="0" i="0">
+                <a:solidFill>
+                  <a:srgbClr val="222222"/>
+                </a:solidFill>
+                <a:effectLst/>
+                <a:latin typeface="Source Sans Pro" panose="020B0503030403020204" pitchFamily="34" charset="0"/>
+              </a:rPr>
+              <a:t>Overfitting</a:t>
+            </a:r>
+          </a:p>
+          <a:p>
+            <a:pPr fontAlgn="base"/>
+            <a:r>
+              <a:rPr lang="en-US" b="1" i="0" cap="all">
+                <a:solidFill>
+                  <a:srgbClr val="222222"/>
+                </a:solidFill>
+                <a:effectLst/>
+                <a:latin typeface="Source Sans Pro" panose="020B0503030403020204" pitchFamily="34" charset="0"/>
+              </a:rPr>
+              <a:t>SHALLOW (SHORT)</a:t>
+            </a:r>
+          </a:p>
+          <a:p>
+            <a:pPr fontAlgn="base">
+              <a:buFont typeface="Arial" panose="020B0604020202020204" pitchFamily="34" charset="0"/>
+              <a:buChar char="•"/>
+            </a:pPr>
+            <a:r>
+              <a:rPr lang="en-US" b="0" i="0">
+                <a:solidFill>
+                  <a:srgbClr val="222222"/>
+                </a:solidFill>
+                <a:effectLst/>
+                <a:latin typeface="Source Sans Pro" panose="020B0503030403020204" pitchFamily="34" charset="0"/>
+              </a:rPr>
+              <a:t>High bias, low variance</a:t>
+            </a:r>
+          </a:p>
+          <a:p>
+            <a:pPr fontAlgn="base">
+              <a:buFont typeface="Arial" panose="020B0604020202020204" pitchFamily="34" charset="0"/>
+              <a:buChar char="•"/>
+            </a:pPr>
+            <a:r>
+              <a:rPr lang="en-US" b="0" i="0">
+                <a:solidFill>
+                  <a:srgbClr val="222222"/>
+                </a:solidFill>
+                <a:effectLst/>
+                <a:latin typeface="Source Sans Pro" panose="020B0503030403020204" pitchFamily="34" charset="0"/>
+              </a:rPr>
+              <a:t>Underfitting</a:t>
+            </a:r>
+          </a:p>
+          <a:p>
+            <a:pPr fontAlgn="base">
+              <a:buFont typeface="Arial" panose="020B0604020202020204" pitchFamily="34" charset="0"/>
+              <a:buChar char="•"/>
+            </a:pPr>
+            <a:r>
+              <a:rPr lang="en-US" b="0" i="0">
+                <a:solidFill>
+                  <a:srgbClr val="222222"/>
+                </a:solidFill>
+                <a:effectLst/>
+                <a:latin typeface="Source Sans Pro" panose="020B0503030403020204" pitchFamily="34" charset="0"/>
+              </a:rPr>
+              <a:t> Shallow decision trees have high bias and low variance.</a:t>
+            </a:r>
+          </a:p>
+          <a:p>
+            <a:pPr fontAlgn="base">
+              <a:buFont typeface="Arial" panose="020B0604020202020204" pitchFamily="34" charset="0"/>
+              <a:buChar char="•"/>
+            </a:pPr>
+            <a:r>
+              <a:rPr lang="en-US" b="0" i="0">
+                <a:solidFill>
+                  <a:srgbClr val="222222"/>
+                </a:solidFill>
+                <a:effectLst/>
+                <a:latin typeface="Source Sans Pro" panose="020B0503030403020204" pitchFamily="34" charset="0"/>
+              </a:rPr>
+              <a:t>Deep decision trees have low bias and high variance.</a:t>
+            </a:r>
+          </a:p>
+        </p:txBody>
+      </p:sp>
+    </p:spTree>
+    <p:extLst>
+      <p:ext uri="{BB962C8B-B14F-4D97-AF65-F5344CB8AC3E}">
+        <p14:creationId xmlns:p14="http://schemas.microsoft.com/office/powerpoint/2010/main" val="1178902146"/>
+      </p:ext>
+    </p:extLst>
+  </p:cSld>
+  <p:clrMapOvr>
+    <a:masterClrMapping/>
+  </p:clrMapOvr>
+</p:sld>
+</file>
+
+<file path=ppt/slides/slide8.xml><?xml version="1.0" encoding="utf-8"?>
+<p:sld xmlns:a="http://schemas.openxmlformats.org/drawingml/2006/main" xmlns:r="http://schemas.openxmlformats.org/officeDocument/2006/relationships" xmlns:p="http://schemas.openxmlformats.org/presentationml/2006/main">
+  <p:cSld>
+    <p:spTree>
+      <p:nvGrpSpPr>
+        <p:cNvPr id="1" name=""/>
+        <p:cNvGrpSpPr/>
+        <p:nvPr/>
+      </p:nvGrpSpPr>
+      <p:grpSpPr>
+        <a:xfrm>
+          <a:off x="0" y="0"/>
+          <a:ext cx="0" cy="0"/>
+          <a:chOff x="0" y="0"/>
+          <a:chExt cx="0" cy="0"/>
+        </a:xfrm>
+      </p:grpSpPr>
+      <p:sp>
+        <p:nvSpPr>
+          <p:cNvPr id="2" name="Title 1">
+            <a:extLst>
+              <a:ext uri="{FF2B5EF4-FFF2-40B4-BE49-F238E27FC236}">
+                <a16:creationId xmlns:a16="http://schemas.microsoft.com/office/drawing/2014/main" id="{4056FA62-0511-3D42-B34B-42C21E5F6E38}"/>
+              </a:ext>
+            </a:extLst>
+          </p:cNvPr>
+          <p:cNvSpPr>
+            <a:spLocks noGrp="1"/>
+          </p:cNvSpPr>
+          <p:nvPr>
+            <p:ph type="title"/>
+          </p:nvPr>
+        </p:nvSpPr>
+        <p:spPr/>
+        <p:txBody>
+          <a:bodyPr/>
+          <a:lstStyle/>
+          <a:p>
+            <a:r>
+              <a:rPr lang="fr-FR"/>
+              <a:t>Random Forests</a:t>
+            </a:r>
+          </a:p>
+        </p:txBody>
+      </p:sp>
+      <p:sp>
+        <p:nvSpPr>
+          <p:cNvPr id="3" name="Text Placeholder 2">
+            <a:extLst>
+              <a:ext uri="{FF2B5EF4-FFF2-40B4-BE49-F238E27FC236}">
+                <a16:creationId xmlns:a16="http://schemas.microsoft.com/office/drawing/2014/main" id="{4E516DBF-9ADD-A449-B815-4C9423D870DE}"/>
+              </a:ext>
+            </a:extLst>
+          </p:cNvPr>
+          <p:cNvSpPr>
+            <a:spLocks noGrp="1"/>
+          </p:cNvSpPr>
+          <p:nvPr>
+            <p:ph type="body" idx="1"/>
+          </p:nvPr>
+        </p:nvSpPr>
+        <p:spPr/>
+        <p:txBody>
+          <a:bodyPr/>
+          <a:lstStyle/>
+          <a:p>
+            <a:r>
+              <a:rPr lang="fr-FR"/>
+              <a:t>Bagging decision trees</a:t>
+            </a:r>
+          </a:p>
+        </p:txBody>
+      </p:sp>
+    </p:spTree>
+    <p:extLst>
+      <p:ext uri="{BB962C8B-B14F-4D97-AF65-F5344CB8AC3E}">
+        <p14:creationId xmlns:p14="http://schemas.microsoft.com/office/powerpoint/2010/main" val="1529511141"/>
+      </p:ext>
+    </p:extLst>
+  </p:cSld>
+  <p:clrMapOvr>
+    <a:masterClrMapping/>
+  </p:clrMapOvr>
+</p:sld>
+</file>
+
+<file path=ppt/slides/slide9.xml><?xml version="1.0" encoding="utf-8"?>
+<p:sld xmlns:a="http://schemas.openxmlformats.org/drawingml/2006/main" xmlns:r="http://schemas.openxmlformats.org/officeDocument/2006/relationships" xmlns:p="http://schemas.openxmlformats.org/presentationml/2006/main">
+  <p:cSld>
+    <p:spTree>
+      <p:nvGrpSpPr>
+        <p:cNvPr id="1" name=""/>
+        <p:cNvGrpSpPr/>
+        <p:nvPr/>
+      </p:nvGrpSpPr>
+      <p:grpSpPr>
+        <a:xfrm>
+          <a:off x="0" y="0"/>
+          <a:ext cx="0" cy="0"/>
+          <a:chOff x="0" y="0"/>
+          <a:chExt cx="0" cy="0"/>
+        </a:xfrm>
+      </p:grpSpPr>
+      <p:sp>
+        <p:nvSpPr>
+          <p:cNvPr id="3" name="Title 1">
+            <a:extLst>
+              <a:ext uri="{FF2B5EF4-FFF2-40B4-BE49-F238E27FC236}">
+                <a16:creationId xmlns:a16="http://schemas.microsoft.com/office/drawing/2014/main" id="{17E34EA6-D154-0A43-B55C-0C2603854BDA}"/>
+              </a:ext>
+            </a:extLst>
+          </p:cNvPr>
+          <p:cNvSpPr txBox="1">
+            <a:spLocks/>
+          </p:cNvSpPr>
+          <p:nvPr/>
+        </p:nvSpPr>
+        <p:spPr>
+          <a:xfrm>
+            <a:off x="-10274" y="-5170"/>
+            <a:ext cx="12202274" cy="646331"/>
+          </a:xfrm>
+          <a:prstGeom prst="rect">
+            <a:avLst/>
+          </a:prstGeom>
+          <a:solidFill>
+            <a:srgbClr val="C04E00"/>
+          </a:solidFill>
+        </p:spPr>
+        <p:txBody>
+          <a:bodyPr vert="horz" lIns="91440" tIns="45720" rIns="91440" bIns="45720" rtlCol="0" anchor="ctr">
+            <a:normAutofit fontScale="97500" lnSpcReduction="10000"/>
+          </a:bodyPr>
+          <a:lstStyle>
+            <a:lvl1pPr algn="l" defTabSz="914400" rtl="0" eaLnBrk="1" latinLnBrk="0" hangingPunct="1">
+              <a:lnSpc>
+                <a:spcPct val="90000"/>
+              </a:lnSpc>
+              <a:spcBef>
+                <a:spcPct val="0"/>
+              </a:spcBef>
+              <a:buNone/>
+              <a:defRPr sz="4400" kern="1200">
+                <a:solidFill>
+                  <a:schemeClr val="tx1"/>
+                </a:solidFill>
+                <a:latin typeface="+mj-lt"/>
+                <a:ea typeface="+mj-ea"/>
+                <a:cs typeface="+mj-cs"/>
+              </a:defRPr>
+            </a:lvl1pPr>
+          </a:lstStyle>
+          <a:p>
+            <a:r>
+              <a:rPr lang="fr-FR">
+                <a:solidFill>
+                  <a:schemeClr val="tx2">
+                    <a:lumMod val="20000"/>
+                    <a:lumOff val="80000"/>
+                  </a:schemeClr>
+                </a:solidFill>
+              </a:rPr>
+              <a:t>Bagging trees</a:t>
+            </a:r>
+          </a:p>
+        </p:txBody>
+      </p:sp>
+      <p:sp>
+        <p:nvSpPr>
+          <p:cNvPr id="4" name="TextBox 3">
+            <a:extLst>
+              <a:ext uri="{FF2B5EF4-FFF2-40B4-BE49-F238E27FC236}">
+                <a16:creationId xmlns:a16="http://schemas.microsoft.com/office/drawing/2014/main" id="{035C8F3B-D49C-684A-8DB1-4E24D3332B1D}"/>
+              </a:ext>
+            </a:extLst>
+          </p:cNvPr>
+          <p:cNvSpPr txBox="1"/>
+          <p:nvPr/>
+        </p:nvSpPr>
+        <p:spPr>
+          <a:xfrm>
+            <a:off x="606175" y="1263721"/>
+            <a:ext cx="7582328" cy="2862322"/>
+          </a:xfrm>
+          <a:prstGeom prst="rect">
+            <a:avLst/>
+          </a:prstGeom>
+          <a:noFill/>
+        </p:spPr>
+        <p:txBody>
+          <a:bodyPr wrap="square" rtlCol="0">
+            <a:spAutoFit/>
+          </a:bodyPr>
+          <a:lstStyle/>
+          <a:p>
+            <a:r>
+              <a:rPr lang="fr-FR"/>
+              <a:t>Arbres profond =&gt; overfitting</a:t>
+            </a:r>
+          </a:p>
+          <a:p>
+            <a:pPr algn="ctr"/>
+            <a:endParaRPr lang="fr-FR"/>
+          </a:p>
+          <a:p>
+            <a:r>
+              <a:rPr lang="fr-FR"/>
+              <a:t>Ensemble : moyenne de la prédiction de chaque arbre sur un echantillon bootstrappé</a:t>
+            </a:r>
+          </a:p>
+          <a:p>
+            <a:r>
+              <a:rPr lang="fr-FR"/>
+              <a:t>reduit l'overfit</a:t>
+            </a:r>
+          </a:p>
+          <a:p>
+            <a:endParaRPr lang="fr-FR"/>
+          </a:p>
+          <a:p>
+            <a:r>
+              <a:rPr lang="fr-FR"/>
+              <a:t>Arbres peu profond</a:t>
+            </a:r>
+          </a:p>
+          <a:p>
+            <a:endParaRPr lang="fr-FR"/>
+          </a:p>
+          <a:p>
+            <a:r>
+              <a:rPr lang="fr-FR"/>
+              <a:t>Ensemble: Réduit le biais, améliore la performance</a:t>
+            </a:r>
+          </a:p>
+          <a:p>
+            <a:endParaRPr lang="fr-FR"/>
+          </a:p>
+        </p:txBody>
+      </p:sp>
+      <p:sp>
+        <p:nvSpPr>
+          <p:cNvPr id="5" name="TextBox 4">
+            <a:extLst>
+              <a:ext uri="{FF2B5EF4-FFF2-40B4-BE49-F238E27FC236}">
+                <a16:creationId xmlns:a16="http://schemas.microsoft.com/office/drawing/2014/main" id="{518C5E18-9E66-2841-9491-1BF89EC26A5B}"/>
+              </a:ext>
+            </a:extLst>
+          </p:cNvPr>
+          <p:cNvSpPr txBox="1"/>
+          <p:nvPr/>
+        </p:nvSpPr>
+        <p:spPr>
+          <a:xfrm>
+            <a:off x="4078840" y="4695290"/>
+            <a:ext cx="1492716" cy="369332"/>
+          </a:xfrm>
+          <a:prstGeom prst="rect">
+            <a:avLst/>
+          </a:prstGeom>
+          <a:noFill/>
+        </p:spPr>
+        <p:txBody>
+          <a:bodyPr wrap="none" rtlCol="0">
+            <a:spAutoFit/>
+          </a:bodyPr>
+          <a:lstStyle/>
+          <a:p>
+            <a:r>
+              <a:rPr lang="fr-FR"/>
+              <a:t>=&gt; lab / demo</a:t>
+            </a:r>
+          </a:p>
+        </p:txBody>
+      </p:sp>
+    </p:spTree>
+    <p:extLst>
+      <p:ext uri="{BB962C8B-B14F-4D97-AF65-F5344CB8AC3E}">
+        <p14:creationId xmlns:p14="http://schemas.microsoft.com/office/powerpoint/2010/main" val="424627550"/>
       </p:ext>
     </p:extLst>
   </p:cSld>

--- a/slides/XEM20_S1D7_random_forests.pptx
+++ b/slides/XEM20_S1D7_random_forests.pptx
@@ -282,7 +282,7 @@
           <a:lstStyle/>
           <a:p>
             <a:fld id="{B197357A-A064-2E45-8F58-8983DFEAD3E2}" type="datetimeFigureOut">
-              <a:t>13/09/2019</a:t>
+              <a:t>10/2/19</a:t>
             </a:fld>
             <a:endParaRPr lang="fr-FR"/>
           </a:p>
@@ -480,7 +480,7 @@
           <a:lstStyle/>
           <a:p>
             <a:fld id="{B197357A-A064-2E45-8F58-8983DFEAD3E2}" type="datetimeFigureOut">
-              <a:t>13/09/2019</a:t>
+              <a:t>10/2/19</a:t>
             </a:fld>
             <a:endParaRPr lang="fr-FR"/>
           </a:p>
@@ -688,7 +688,7 @@
           <a:lstStyle/>
           <a:p>
             <a:fld id="{B197357A-A064-2E45-8F58-8983DFEAD3E2}" type="datetimeFigureOut">
-              <a:t>13/09/2019</a:t>
+              <a:t>10/2/19</a:t>
             </a:fld>
             <a:endParaRPr lang="fr-FR"/>
           </a:p>
@@ -886,7 +886,7 @@
           <a:lstStyle/>
           <a:p>
             <a:fld id="{B197357A-A064-2E45-8F58-8983DFEAD3E2}" type="datetimeFigureOut">
-              <a:t>13/09/2019</a:t>
+              <a:t>10/2/19</a:t>
             </a:fld>
             <a:endParaRPr lang="fr-FR"/>
           </a:p>
@@ -1160,7 +1160,7 @@
           <a:lstStyle/>
           <a:p>
             <a:fld id="{B197357A-A064-2E45-8F58-8983DFEAD3E2}" type="datetimeFigureOut">
-              <a:t>13/09/2019</a:t>
+              <a:t>10/2/19</a:t>
             </a:fld>
             <a:endParaRPr lang="fr-FR"/>
           </a:p>
@@ -1426,7 +1426,7 @@
           <a:lstStyle/>
           <a:p>
             <a:fld id="{B197357A-A064-2E45-8F58-8983DFEAD3E2}" type="datetimeFigureOut">
-              <a:t>13/09/2019</a:t>
+              <a:t>10/2/19</a:t>
             </a:fld>
             <a:endParaRPr lang="fr-FR"/>
           </a:p>
@@ -1839,7 +1839,7 @@
           <a:lstStyle/>
           <a:p>
             <a:fld id="{B197357A-A064-2E45-8F58-8983DFEAD3E2}" type="datetimeFigureOut">
-              <a:t>13/09/2019</a:t>
+              <a:t>10/2/19</a:t>
             </a:fld>
             <a:endParaRPr lang="fr-FR"/>
           </a:p>
@@ -1979,7 +1979,7 @@
           <a:lstStyle/>
           <a:p>
             <a:fld id="{B197357A-A064-2E45-8F58-8983DFEAD3E2}" type="datetimeFigureOut">
-              <a:t>13/09/2019</a:t>
+              <a:t>10/2/19</a:t>
             </a:fld>
             <a:endParaRPr lang="fr-FR"/>
           </a:p>
@@ -2090,7 +2090,7 @@
           <a:lstStyle/>
           <a:p>
             <a:fld id="{B197357A-A064-2E45-8F58-8983DFEAD3E2}" type="datetimeFigureOut">
-              <a:t>13/09/2019</a:t>
+              <a:t>10/2/19</a:t>
             </a:fld>
             <a:endParaRPr lang="fr-FR"/>
           </a:p>
@@ -2401,7 +2401,7 @@
           <a:lstStyle/>
           <a:p>
             <a:fld id="{B197357A-A064-2E45-8F58-8983DFEAD3E2}" type="datetimeFigureOut">
-              <a:t>13/09/2019</a:t>
+              <a:t>10/2/19</a:t>
             </a:fld>
             <a:endParaRPr lang="fr-FR"/>
           </a:p>
@@ -2688,7 +2688,7 @@
           <a:lstStyle/>
           <a:p>
             <a:fld id="{B197357A-A064-2E45-8F58-8983DFEAD3E2}" type="datetimeFigureOut">
-              <a:t>13/09/2019</a:t>
+              <a:t>10/2/19</a:t>
             </a:fld>
             <a:endParaRPr lang="fr-FR"/>
           </a:p>
@@ -2929,7 +2929,7 @@
           </a:lstStyle>
           <a:p>
             <a:fld id="{B197357A-A064-2E45-8F58-8983DFEAD3E2}" type="datetimeFigureOut">
-              <a:t>13/09/2019</a:t>
+              <a:t>10/2/19</a:t>
             </a:fld>
             <a:endParaRPr lang="fr-FR"/>
           </a:p>
